--- a/AITraining/Fundamentals/Machine Learning/ML - Perceptron.pptx
+++ b/AITraining/Fundamentals/Machine Learning/ML - Perceptron.pptx
@@ -199,7 +199,7 @@
           <a:p>
             <a:fld id="{FAF957FC-5175-49AC-8D2B-2F056FFFC1DD}" type="datetimeFigureOut">
               <a:rPr lang="en-US" smtClean="0"/>
-              <a:t>11/19/2017</a:t>
+              <a:t>9/20/2018</a:t>
             </a:fld>
             <a:endParaRPr lang="en-US"/>
           </a:p>
@@ -649,7 +649,7 @@
             <a:fld id="{1D8BD707-D9CF-40AE-B4C6-C98DA3205C09}" type="datetimeFigureOut">
               <a:rPr lang="en-US" smtClean="0"/>
               <a:pPr/>
-              <a:t>11/19/2017</a:t>
+              <a:t>9/20/2018</a:t>
             </a:fld>
             <a:endParaRPr lang="en-US"/>
           </a:p>
@@ -816,7 +816,7 @@
             <a:fld id="{1D8BD707-D9CF-40AE-B4C6-C98DA3205C09}" type="datetimeFigureOut">
               <a:rPr lang="en-US" smtClean="0"/>
               <a:pPr/>
-              <a:t>11/19/2017</a:t>
+              <a:t>9/20/2018</a:t>
             </a:fld>
             <a:endParaRPr lang="en-US"/>
           </a:p>
@@ -993,7 +993,7 @@
             <a:fld id="{1D8BD707-D9CF-40AE-B4C6-C98DA3205C09}" type="datetimeFigureOut">
               <a:rPr lang="en-US" smtClean="0"/>
               <a:pPr/>
-              <a:t>11/19/2017</a:t>
+              <a:t>9/20/2018</a:t>
             </a:fld>
             <a:endParaRPr lang="en-US"/>
           </a:p>
@@ -1160,7 +1160,7 @@
             <a:fld id="{1D8BD707-D9CF-40AE-B4C6-C98DA3205C09}" type="datetimeFigureOut">
               <a:rPr lang="en-US" smtClean="0"/>
               <a:pPr/>
-              <a:t>11/19/2017</a:t>
+              <a:t>9/20/2018</a:t>
             </a:fld>
             <a:endParaRPr lang="en-US"/>
           </a:p>
@@ -1403,7 +1403,7 @@
             <a:fld id="{1D8BD707-D9CF-40AE-B4C6-C98DA3205C09}" type="datetimeFigureOut">
               <a:rPr lang="en-US" smtClean="0"/>
               <a:pPr/>
-              <a:t>11/19/2017</a:t>
+              <a:t>9/20/2018</a:t>
             </a:fld>
             <a:endParaRPr lang="en-US"/>
           </a:p>
@@ -1688,7 +1688,7 @@
             <a:fld id="{1D8BD707-D9CF-40AE-B4C6-C98DA3205C09}" type="datetimeFigureOut">
               <a:rPr lang="en-US" smtClean="0"/>
               <a:pPr/>
-              <a:t>11/19/2017</a:t>
+              <a:t>9/20/2018</a:t>
             </a:fld>
             <a:endParaRPr lang="en-US"/>
           </a:p>
@@ -2107,7 +2107,7 @@
             <a:fld id="{1D8BD707-D9CF-40AE-B4C6-C98DA3205C09}" type="datetimeFigureOut">
               <a:rPr lang="en-US" smtClean="0"/>
               <a:pPr/>
-              <a:t>11/19/2017</a:t>
+              <a:t>9/20/2018</a:t>
             </a:fld>
             <a:endParaRPr lang="en-US"/>
           </a:p>
@@ -2222,7 +2222,7 @@
             <a:fld id="{1D8BD707-D9CF-40AE-B4C6-C98DA3205C09}" type="datetimeFigureOut">
               <a:rPr lang="en-US" smtClean="0"/>
               <a:pPr/>
-              <a:t>11/19/2017</a:t>
+              <a:t>9/20/2018</a:t>
             </a:fld>
             <a:endParaRPr lang="en-US"/>
           </a:p>
@@ -2314,7 +2314,7 @@
             <a:fld id="{1D8BD707-D9CF-40AE-B4C6-C98DA3205C09}" type="datetimeFigureOut">
               <a:rPr lang="en-US" smtClean="0"/>
               <a:pPr/>
-              <a:t>11/19/2017</a:t>
+              <a:t>9/20/2018</a:t>
             </a:fld>
             <a:endParaRPr lang="en-US"/>
           </a:p>
@@ -2588,7 +2588,7 @@
             <a:fld id="{1D8BD707-D9CF-40AE-B4C6-C98DA3205C09}" type="datetimeFigureOut">
               <a:rPr lang="en-US" smtClean="0"/>
               <a:pPr/>
-              <a:t>11/19/2017</a:t>
+              <a:t>9/20/2018</a:t>
             </a:fld>
             <a:endParaRPr lang="en-US"/>
           </a:p>
@@ -2838,7 +2838,7 @@
             <a:fld id="{1D8BD707-D9CF-40AE-B4C6-C98DA3205C09}" type="datetimeFigureOut">
               <a:rPr lang="en-US" smtClean="0"/>
               <a:pPr/>
-              <a:t>11/19/2017</a:t>
+              <a:t>9/20/2018</a:t>
             </a:fld>
             <a:endParaRPr lang="en-US"/>
           </a:p>
@@ -3048,7 +3048,7 @@
             <a:fld id="{1D8BD707-D9CF-40AE-B4C6-C98DA3205C09}" type="datetimeFigureOut">
               <a:rPr lang="en-US" smtClean="0"/>
               <a:pPr/>
-              <a:t>11/19/2017</a:t>
+              <a:t>9/20/2018</a:t>
             </a:fld>
             <a:endParaRPr lang="en-US"/>
           </a:p>
@@ -8017,7 +8017,7 @@
         </p:nvCxnSpPr>
         <p:spPr>
           <a:xfrm>
-            <a:off x="4231330" y="4607712"/>
+            <a:off x="3850272" y="4832001"/>
             <a:ext cx="1443455" cy="1714651"/>
           </a:xfrm>
           <a:prstGeom prst="line">
@@ -8837,8 +8837,8 @@
         </p:nvCxnSpPr>
         <p:spPr>
           <a:xfrm flipV="1">
-            <a:off x="3628160" y="5070869"/>
-            <a:ext cx="943840" cy="337691"/>
+            <a:off x="3628160" y="5109123"/>
+            <a:ext cx="365046" cy="299437"/>
           </a:xfrm>
           <a:prstGeom prst="curvedConnector3">
             <a:avLst/>
